--- a/Calendario2019/Presentaciones/1_4_IntroduccionPython.pptx
+++ b/Calendario2019/Presentaciones/1_4_IntroduccionPython.pptx
@@ -221,7 +221,7 @@
           <a:p>
             <a:fld id="{ABE446DF-9999-4303-AE22-481223A99AC3}" type="datetimeFigureOut">
               <a:rPr lang="es-MX" smtClean="0"/>
-              <a:t>08/11/2019</a:t>
+              <a:t>11/11/2019</a:t>
             </a:fld>
             <a:endParaRPr lang="es-MX"/>
           </a:p>
@@ -1208,7 +1208,7 @@
           <a:p>
             <a:fld id="{1D8BD707-D9CF-40AE-B4C6-C98DA3205C09}" type="datetimeFigureOut">
               <a:rPr lang="en-US" smtClean="0"/>
-              <a:t>11/8/2019</a:t>
+              <a:t>11/11/2019</a:t>
             </a:fld>
             <a:endParaRPr lang="en-US"/>
           </a:p>
@@ -1370,7 +1370,7 @@
           <a:p>
             <a:fld id="{1D8BD707-D9CF-40AE-B4C6-C98DA3205C09}" type="datetimeFigureOut">
               <a:rPr lang="en-US" smtClean="0"/>
-              <a:t>11/8/2019</a:t>
+              <a:t>11/11/2019</a:t>
             </a:fld>
             <a:endParaRPr lang="en-US"/>
           </a:p>
@@ -5399,7 +5399,7 @@
           <a:p>
             <a:fld id="{1D8BD707-D9CF-40AE-B4C6-C98DA3205C09}" type="datetimeFigureOut">
               <a:rPr lang="en-US" smtClean="0"/>
-              <a:t>11/8/2019</a:t>
+              <a:t>11/11/2019</a:t>
             </a:fld>
             <a:endParaRPr lang="en-US"/>
           </a:p>
@@ -5542,7 +5542,7 @@
           <a:p>
             <a:fld id="{1D8BD707-D9CF-40AE-B4C6-C98DA3205C09}" type="datetimeFigureOut">
               <a:rPr lang="en-US" smtClean="0"/>
-              <a:t>11/8/2019</a:t>
+              <a:t>11/11/2019</a:t>
             </a:fld>
             <a:endParaRPr lang="en-US"/>
           </a:p>
@@ -5666,7 +5666,7 @@
           <a:p>
             <a:fld id="{1D8BD707-D9CF-40AE-B4C6-C98DA3205C09}" type="datetimeFigureOut">
               <a:rPr lang="en-US" smtClean="0"/>
-              <a:t>11/8/2019</a:t>
+              <a:t>11/11/2019</a:t>
             </a:fld>
             <a:endParaRPr lang="en-US"/>
           </a:p>
@@ -5927,7 +5927,7 @@
           <a:p>
             <a:fld id="{1D8BD707-D9CF-40AE-B4C6-C98DA3205C09}" type="datetimeFigureOut">
               <a:rPr lang="en-US" smtClean="0"/>
-              <a:t>11/8/2019</a:t>
+              <a:t>11/11/2019</a:t>
             </a:fld>
             <a:endParaRPr lang="en-US"/>
           </a:p>
@@ -41179,6 +41179,50 @@
           </a:prstGeom>
         </p:spPr>
       </p:pic>
+      <p:pic>
+        <p:nvPicPr>
+          <p:cNvPr id="41" name="Imagen 40">
+            <a:extLst>
+              <a:ext uri="{FF2B5EF4-FFF2-40B4-BE49-F238E27FC236}">
+                <a16:creationId xmlns:a16="http://schemas.microsoft.com/office/drawing/2014/main" id="{2104D4F2-9C00-4122-8C29-38E4C5FCF508}"/>
+              </a:ext>
+            </a:extLst>
+          </p:cNvPr>
+          <p:cNvPicPr>
+            <a:picLocks noChangeAspect="1"/>
+          </p:cNvPicPr>
+          <p:nvPr/>
+        </p:nvPicPr>
+        <p:blipFill>
+          <a:blip r:embed="rId6" cstate="print">
+            <a:extLst>
+              <a:ext uri="{28A0092B-C50C-407E-A947-70E740481C1C}">
+                <a14:useLocalDpi xmlns:a14="http://schemas.microsoft.com/office/drawing/2010/main" val="0"/>
+              </a:ext>
+            </a:extLst>
+          </a:blip>
+          <a:stretch>
+            <a:fillRect/>
+          </a:stretch>
+        </p:blipFill>
+        <p:spPr>
+          <a:xfrm>
+            <a:off x="7867318" y="60960"/>
+            <a:ext cx="1219200" cy="1219200"/>
+          </a:xfrm>
+          <a:prstGeom prst="rect">
+            <a:avLst/>
+          </a:prstGeom>
+          <a:effectLst>
+            <a:outerShdw blurRad="50800" dist="50800" dir="5400000" algn="ctr" rotWithShape="0">
+              <a:schemeClr val="bg1">
+                <a:lumMod val="85000"/>
+              </a:schemeClr>
+            </a:outerShdw>
+            <a:softEdge rad="25400"/>
+          </a:effectLst>
+        </p:spPr>
+      </p:pic>
     </p:spTree>
   </p:cSld>
   <p:clrMapOvr>
@@ -49146,36 +49190,6 @@
           </a:p>
         </p:txBody>
       </p:sp>
-      <p:pic>
-        <p:nvPicPr>
-          <p:cNvPr id="41" name="Imagen 40">
-            <a:extLst>
-              <a:ext uri="{FF2B5EF4-FFF2-40B4-BE49-F238E27FC236}">
-                <a16:creationId xmlns:a16="http://schemas.microsoft.com/office/drawing/2014/main" id="{A8BC6B08-5BF5-4E6E-87F5-74ECB5A3C03A}"/>
-              </a:ext>
-            </a:extLst>
-          </p:cNvPr>
-          <p:cNvPicPr>
-            <a:picLocks noChangeAspect="1"/>
-          </p:cNvPicPr>
-          <p:nvPr/>
-        </p:nvPicPr>
-        <p:blipFill>
-          <a:blip r:embed="rId5"/>
-          <a:stretch>
-            <a:fillRect/>
-          </a:stretch>
-        </p:blipFill>
-        <p:spPr>
-          <a:xfrm>
-            <a:off x="7598024" y="57150"/>
-            <a:ext cx="1482604" cy="1237729"/>
-          </a:xfrm>
-          <a:prstGeom prst="rect">
-            <a:avLst/>
-          </a:prstGeom>
-        </p:spPr>
-      </p:pic>
       <p:sp>
         <p:nvSpPr>
           <p:cNvPr id="42" name="Rectángulo 41">
@@ -49190,8 +49204,8 @@
         </p:nvSpPr>
         <p:spPr>
           <a:xfrm>
-            <a:off x="2363019" y="2055354"/>
-            <a:ext cx="4037781" cy="1218026"/>
+            <a:off x="2305870" y="2016200"/>
+            <a:ext cx="5272219" cy="833305"/>
           </a:xfrm>
           <a:prstGeom prst="rect">
             <a:avLst/>
@@ -49218,47 +49232,72 @@
                 </a:solidFill>
                 <a:cs typeface="Calibri"/>
               </a:rPr>
-              <a:t>Elabora un </a:t>
+              <a:t>Utili</a:t>
+            </a:r>
+            <a:r>
+              <a:rPr lang="es-MX" sz="2000" b="1" spc="-5" dirty="0">
+                <a:solidFill>
+                  <a:srgbClr val="C5DAEB"/>
+                </a:solidFill>
+                <a:cs typeface="Calibri"/>
+              </a:rPr>
+              <a:t>z</a:t>
             </a:r>
             <a:r>
               <a:rPr lang="es-MX" sz="2000" b="1" spc="-10" dirty="0">
                 <a:solidFill>
+                  <a:srgbClr val="C5DAEB"/>
+                </a:solidFill>
+                <a:cs typeface="Calibri"/>
+              </a:rPr>
+              <a:t>a</a:t>
+            </a:r>
+            <a:r>
+              <a:rPr lang="es-MX" sz="2000" b="1" spc="-25" dirty="0">
+                <a:solidFill>
+                  <a:srgbClr val="C5DAEB"/>
+                </a:solidFill>
+                <a:cs typeface="Calibri"/>
+              </a:rPr>
+              <a:t> </a:t>
+            </a:r>
+            <a:r>
+              <a:rPr lang="es-MX" sz="2000" b="1" spc="-25" dirty="0" err="1">
+                <a:solidFill>
+                  <a:srgbClr val="C5DAEB"/>
+                </a:solidFill>
+                <a:cs typeface="Calibri"/>
+              </a:rPr>
+              <a:t>Thonny</a:t>
+            </a:r>
+            <a:r>
+              <a:rPr lang="es-MX" sz="2000" b="1" spc="-25" dirty="0">
+                <a:solidFill>
+                  <a:srgbClr val="C5DAEB"/>
+                </a:solidFill>
+                <a:cs typeface="Calibri"/>
+              </a:rPr>
+              <a:t> para codificar los siguientes problemas en </a:t>
+            </a:r>
+            <a:r>
+              <a:rPr lang="es-MX" sz="2000" b="1" spc="-25" dirty="0">
+                <a:solidFill>
                   <a:schemeClr val="accent6">
                     <a:lumMod val="75000"/>
                   </a:schemeClr>
                 </a:solidFill>
                 <a:cs typeface="Calibri"/>
               </a:rPr>
-              <a:t>diagrama EPS </a:t>
+              <a:t>Python</a:t>
             </a:r>
             <a:r>
-              <a:rPr lang="es-MX" sz="2000" b="1" spc="-10" dirty="0">
+              <a:rPr lang="es-MX" sz="2000" b="1" spc="-25" dirty="0">
                 <a:solidFill>
                   <a:srgbClr val="C5DAEB"/>
                 </a:solidFill>
                 <a:cs typeface="Calibri"/>
               </a:rPr>
-              <a:t>y un </a:t>
-            </a:r>
-            <a:r>
-              <a:rPr lang="es-MX" sz="2000" b="1" spc="-10" dirty="0">
-                <a:solidFill>
-                  <a:schemeClr val="accent6">
-                    <a:lumMod val="75000"/>
-                  </a:schemeClr>
-                </a:solidFill>
-                <a:cs typeface="Calibri"/>
-              </a:rPr>
-              <a:t>programa en Python </a:t>
-            </a:r>
-            <a:r>
-              <a:rPr lang="es-MX" sz="2000" b="1" spc="-10" dirty="0">
-                <a:solidFill>
-                  <a:srgbClr val="C5DAEB"/>
-                </a:solidFill>
-                <a:cs typeface="Calibri"/>
-              </a:rPr>
-              <a:t>para resolver los siguientes problemas:</a:t>
+              <a:t> y ejecútalos.</a:t>
             </a:r>
             <a:endParaRPr lang="es-MX" sz="2000" dirty="0">
               <a:cs typeface="Calibri"/>
@@ -49268,10 +49307,10 @@
       </p:sp>
       <p:pic>
         <p:nvPicPr>
-          <p:cNvPr id="37" name="Imagen 36">
+          <p:cNvPr id="43" name="Imagen 42">
             <a:extLst>
               <a:ext uri="{FF2B5EF4-FFF2-40B4-BE49-F238E27FC236}">
-                <a16:creationId xmlns:a16="http://schemas.microsoft.com/office/drawing/2014/main" id="{7F8B4982-22FA-46C3-AB82-AC2A8F97F4B8}"/>
+                <a16:creationId xmlns:a16="http://schemas.microsoft.com/office/drawing/2014/main" id="{D87F5707-7604-4DBD-A4CF-EEE9BE4637C8}"/>
               </a:ext>
             </a:extLst>
           </p:cNvPr>
@@ -49281,19 +49320,33 @@
           <p:nvPr/>
         </p:nvPicPr>
         <p:blipFill>
-          <a:blip r:embed="rId6"/>
+          <a:blip r:embed="rId5" cstate="print">
+            <a:extLst>
+              <a:ext uri="{28A0092B-C50C-407E-A947-70E740481C1C}">
+                <a14:useLocalDpi xmlns:a14="http://schemas.microsoft.com/office/drawing/2010/main" val="0"/>
+              </a:ext>
+            </a:extLst>
+          </a:blip>
           <a:stretch>
             <a:fillRect/>
           </a:stretch>
         </p:blipFill>
         <p:spPr>
           <a:xfrm>
-            <a:off x="1300162" y="1090612"/>
-            <a:ext cx="6543675" cy="2962275"/>
+            <a:off x="7867318" y="60960"/>
+            <a:ext cx="1219200" cy="1219200"/>
           </a:xfrm>
           <a:prstGeom prst="rect">
             <a:avLst/>
           </a:prstGeom>
+          <a:effectLst>
+            <a:outerShdw blurRad="50800" dist="50800" dir="5400000" algn="ctr" rotWithShape="0">
+              <a:schemeClr val="bg1">
+                <a:lumMod val="85000"/>
+              </a:schemeClr>
+            </a:outerShdw>
+            <a:softEdge rad="25400"/>
+          </a:effectLst>
         </p:spPr>
       </p:pic>
     </p:spTree>
